--- a/STM_HASPI-1-10-2019.pptx
+++ b/STM_HASPI-1-10-2019.pptx
@@ -11,6 +11,8 @@
     <p:sldId id="256" r:id="rId5"/>
     <p:sldId id="260" r:id="rId6"/>
     <p:sldId id="261" r:id="rId7"/>
+    <p:sldId id="262" r:id="rId8"/>
+    <p:sldId id="263" r:id="rId9"/>
   </p:sldIdLst>
   <p:sldSz cx="9144000" cy="6858000" type="screen4x3"/>
   <p:notesSz cx="6858000" cy="9144000"/>
@@ -3701,7 +3703,11 @@
           <a:p>
             <a:r>
               <a:rPr lang="en-US" dirty="0" smtClean="0"/>
-              <a:t>IOWA ISTS</a:t>
+              <a:t>IOWA </a:t>
+            </a:r>
+            <a:r>
+              <a:rPr lang="en-US" dirty="0" smtClean="0"/>
+              <a:t>ISTS Left ear</a:t>
             </a:r>
             <a:endParaRPr lang="en-US" dirty="0"/>
           </a:p>
@@ -3982,7 +3988,11 @@
           <a:p>
             <a:r>
               <a:rPr lang="en-US" dirty="0" smtClean="0"/>
-              <a:t>IOWA SPHSN</a:t>
+              <a:t>IOWA </a:t>
+            </a:r>
+            <a:r>
+              <a:rPr lang="en-US" dirty="0" smtClean="0"/>
+              <a:t>SPSHN left ear</a:t>
             </a:r>
             <a:endParaRPr lang="en-US" dirty="0"/>
           </a:p>
@@ -4154,6 +4164,609 @@
     <p:extLst>
       <p:ext uri="{BB962C8B-B14F-4D97-AF65-F5344CB8AC3E}">
         <p14:creationId xmlns:p14="http://schemas.microsoft.com/office/powerpoint/2010/main" val="389328885"/>
+      </p:ext>
+    </p:extLst>
+  </p:cSld>
+  <p:clrMapOvr>
+    <a:masterClrMapping/>
+  </p:clrMapOvr>
+</p:sld>
+</file>
+
+<file path=ppt/slides/slide7.xml><?xml version="1.0" encoding="utf-8"?>
+<p:sld xmlns:a="http://schemas.openxmlformats.org/drawingml/2006/main" xmlns:r="http://schemas.openxmlformats.org/officeDocument/2006/relationships" xmlns:p="http://schemas.openxmlformats.org/presentationml/2006/main">
+  <p:cSld>
+    <p:spTree>
+      <p:nvGrpSpPr>
+        <p:cNvPr id="1" name=""/>
+        <p:cNvGrpSpPr/>
+        <p:nvPr/>
+      </p:nvGrpSpPr>
+      <p:grpSpPr>
+        <a:xfrm>
+          <a:off x="0" y="0"/>
+          <a:ext cx="0" cy="0"/>
+          <a:chOff x="0" y="0"/>
+          <a:chExt cx="0" cy="0"/>
+        </a:xfrm>
+      </p:grpSpPr>
+      <p:sp>
+        <p:nvSpPr>
+          <p:cNvPr id="3" name="Content Placeholder 2"/>
+          <p:cNvSpPr>
+            <a:spLocks noGrp="1"/>
+          </p:cNvSpPr>
+          <p:nvPr>
+            <p:ph idx="1"/>
+          </p:nvPr>
+        </p:nvSpPr>
+        <p:spPr/>
+        <p:txBody>
+          <a:bodyPr/>
+          <a:lstStyle/>
+          <a:p>
+            <a:endParaRPr lang="en-US"/>
+          </a:p>
+        </p:txBody>
+      </p:sp>
+      <p:pic>
+        <p:nvPicPr>
+          <p:cNvPr id="1026" name="Picture 2"/>
+          <p:cNvPicPr>
+            <a:picLocks noChangeAspect="1" noChangeArrowheads="1"/>
+          </p:cNvPicPr>
+          <p:nvPr/>
+        </p:nvPicPr>
+        <p:blipFill>
+          <a:blip r:embed="rId2">
+            <a:extLst>
+              <a:ext uri="{28A0092B-C50C-407E-A947-70E740481C1C}">
+                <a14:useLocalDpi xmlns:a14="http://schemas.microsoft.com/office/drawing/2010/main" val="0"/>
+              </a:ext>
+            </a:extLst>
+          </a:blip>
+          <a:srcRect/>
+          <a:stretch>
+            <a:fillRect/>
+          </a:stretch>
+        </p:blipFill>
+        <p:spPr bwMode="auto">
+          <a:xfrm>
+            <a:off x="4708477" y="3653109"/>
+            <a:ext cx="3581400" cy="2786302"/>
+          </a:xfrm>
+          <a:prstGeom prst="rect">
+            <a:avLst/>
+          </a:prstGeom>
+          <a:noFill/>
+          <a:ln>
+            <a:noFill/>
+          </a:ln>
+          <a:extLst>
+            <a:ext uri="{909E8E84-426E-40DD-AFC4-6F175D3DCCD1}">
+              <a14:hiddenFill xmlns:a14="http://schemas.microsoft.com/office/drawing/2010/main">
+                <a:solidFill>
+                  <a:schemeClr val="accent1"/>
+                </a:solidFill>
+              </a14:hiddenFill>
+            </a:ext>
+            <a:ext uri="{91240B29-F687-4F45-9708-019B960494DF}">
+              <a14:hiddenLine xmlns:a14="http://schemas.microsoft.com/office/drawing/2010/main" w="9525">
+                <a:solidFill>
+                  <a:schemeClr val="tx1"/>
+                </a:solidFill>
+                <a:miter lim="800000"/>
+                <a:headEnd/>
+                <a:tailEnd/>
+              </a14:hiddenLine>
+            </a:ext>
+          </a:extLst>
+        </p:spPr>
+      </p:pic>
+      <p:pic>
+        <p:nvPicPr>
+          <p:cNvPr id="1027" name="Picture 3"/>
+          <p:cNvPicPr>
+            <a:picLocks noChangeAspect="1" noChangeArrowheads="1"/>
+          </p:cNvPicPr>
+          <p:nvPr/>
+        </p:nvPicPr>
+        <p:blipFill>
+          <a:blip r:embed="rId3">
+            <a:extLst>
+              <a:ext uri="{28A0092B-C50C-407E-A947-70E740481C1C}">
+                <a14:useLocalDpi xmlns:a14="http://schemas.microsoft.com/office/drawing/2010/main" val="0"/>
+              </a:ext>
+            </a:extLst>
+          </a:blip>
+          <a:srcRect/>
+          <a:stretch>
+            <a:fillRect/>
+          </a:stretch>
+        </p:blipFill>
+        <p:spPr bwMode="auto">
+          <a:xfrm>
+            <a:off x="697173" y="3593710"/>
+            <a:ext cx="3581400" cy="2786302"/>
+          </a:xfrm>
+          <a:prstGeom prst="rect">
+            <a:avLst/>
+          </a:prstGeom>
+          <a:noFill/>
+          <a:ln>
+            <a:noFill/>
+          </a:ln>
+          <a:extLst>
+            <a:ext uri="{909E8E84-426E-40DD-AFC4-6F175D3DCCD1}">
+              <a14:hiddenFill xmlns:a14="http://schemas.microsoft.com/office/drawing/2010/main">
+                <a:solidFill>
+                  <a:schemeClr val="accent1"/>
+                </a:solidFill>
+              </a14:hiddenFill>
+            </a:ext>
+            <a:ext uri="{91240B29-F687-4F45-9708-019B960494DF}">
+              <a14:hiddenLine xmlns:a14="http://schemas.microsoft.com/office/drawing/2010/main" w="9525">
+                <a:solidFill>
+                  <a:schemeClr val="tx1"/>
+                </a:solidFill>
+                <a:miter lim="800000"/>
+                <a:headEnd/>
+                <a:tailEnd/>
+              </a14:hiddenLine>
+            </a:ext>
+          </a:extLst>
+        </p:spPr>
+      </p:pic>
+      <p:pic>
+        <p:nvPicPr>
+          <p:cNvPr id="1028" name="Picture 4"/>
+          <p:cNvPicPr>
+            <a:picLocks noChangeAspect="1" noChangeArrowheads="1"/>
+          </p:cNvPicPr>
+          <p:nvPr/>
+        </p:nvPicPr>
+        <p:blipFill>
+          <a:blip r:embed="rId4">
+            <a:extLst>
+              <a:ext uri="{28A0092B-C50C-407E-A947-70E740481C1C}">
+                <a14:useLocalDpi xmlns:a14="http://schemas.microsoft.com/office/drawing/2010/main" val="0"/>
+              </a:ext>
+            </a:extLst>
+          </a:blip>
+          <a:srcRect/>
+          <a:stretch>
+            <a:fillRect/>
+          </a:stretch>
+        </p:blipFill>
+        <p:spPr bwMode="auto">
+          <a:xfrm>
+            <a:off x="4784677" y="965695"/>
+            <a:ext cx="3581400" cy="2786302"/>
+          </a:xfrm>
+          <a:prstGeom prst="rect">
+            <a:avLst/>
+          </a:prstGeom>
+          <a:noFill/>
+          <a:ln>
+            <a:noFill/>
+          </a:ln>
+          <a:extLst>
+            <a:ext uri="{909E8E84-426E-40DD-AFC4-6F175D3DCCD1}">
+              <a14:hiddenFill xmlns:a14="http://schemas.microsoft.com/office/drawing/2010/main">
+                <a:solidFill>
+                  <a:schemeClr val="accent1"/>
+                </a:solidFill>
+              </a14:hiddenFill>
+            </a:ext>
+            <a:ext uri="{91240B29-F687-4F45-9708-019B960494DF}">
+              <a14:hiddenLine xmlns:a14="http://schemas.microsoft.com/office/drawing/2010/main" w="9525">
+                <a:solidFill>
+                  <a:schemeClr val="tx1"/>
+                </a:solidFill>
+                <a:miter lim="800000"/>
+                <a:headEnd/>
+                <a:tailEnd/>
+              </a14:hiddenLine>
+            </a:ext>
+          </a:extLst>
+        </p:spPr>
+      </p:pic>
+      <p:pic>
+        <p:nvPicPr>
+          <p:cNvPr id="1029" name="Picture 5"/>
+          <p:cNvPicPr>
+            <a:picLocks noChangeAspect="1" noChangeArrowheads="1"/>
+          </p:cNvPicPr>
+          <p:nvPr/>
+        </p:nvPicPr>
+        <p:blipFill>
+          <a:blip r:embed="rId5">
+            <a:extLst>
+              <a:ext uri="{28A0092B-C50C-407E-A947-70E740481C1C}">
+                <a14:useLocalDpi xmlns:a14="http://schemas.microsoft.com/office/drawing/2010/main" val="0"/>
+              </a:ext>
+            </a:extLst>
+          </a:blip>
+          <a:srcRect/>
+          <a:stretch>
+            <a:fillRect/>
+          </a:stretch>
+        </p:blipFill>
+        <p:spPr bwMode="auto">
+          <a:xfrm>
+            <a:off x="697173" y="1064583"/>
+            <a:ext cx="3581400" cy="2786302"/>
+          </a:xfrm>
+          <a:prstGeom prst="rect">
+            <a:avLst/>
+          </a:prstGeom>
+          <a:noFill/>
+          <a:ln>
+            <a:noFill/>
+          </a:ln>
+          <a:extLst>
+            <a:ext uri="{909E8E84-426E-40DD-AFC4-6F175D3DCCD1}">
+              <a14:hiddenFill xmlns:a14="http://schemas.microsoft.com/office/drawing/2010/main">
+                <a:solidFill>
+                  <a:schemeClr val="accent1"/>
+                </a:solidFill>
+              </a14:hiddenFill>
+            </a:ext>
+            <a:ext uri="{91240B29-F687-4F45-9708-019B960494DF}">
+              <a14:hiddenLine xmlns:a14="http://schemas.microsoft.com/office/drawing/2010/main" w="9525">
+                <a:solidFill>
+                  <a:schemeClr val="tx1"/>
+                </a:solidFill>
+                <a:miter lim="800000"/>
+                <a:headEnd/>
+                <a:tailEnd/>
+              </a14:hiddenLine>
+            </a:ext>
+          </a:extLst>
+        </p:spPr>
+      </p:pic>
+      <p:sp>
+        <p:nvSpPr>
+          <p:cNvPr id="8" name="Title 1"/>
+          <p:cNvSpPr txBox="1">
+            <a:spLocks/>
+          </p:cNvSpPr>
+          <p:nvPr/>
+        </p:nvSpPr>
+        <p:spPr>
+          <a:xfrm>
+            <a:off x="609600" y="0"/>
+            <a:ext cx="8229600" cy="1143000"/>
+          </a:xfrm>
+          <a:prstGeom prst="rect">
+            <a:avLst/>
+          </a:prstGeom>
+        </p:spPr>
+        <p:txBody>
+          <a:bodyPr vert="horz" lIns="91440" tIns="45720" rIns="91440" bIns="45720" rtlCol="0" anchor="ctr">
+            <a:normAutofit/>
+          </a:bodyPr>
+          <a:lstStyle>
+            <a:lvl1pPr algn="ctr" defTabSz="914400" rtl="0" eaLnBrk="1" latinLnBrk="0" hangingPunct="1">
+              <a:spcBef>
+                <a:spcPct val="0"/>
+              </a:spcBef>
+              <a:buNone/>
+              <a:defRPr sz="4400" kern="1200">
+                <a:solidFill>
+                  <a:schemeClr val="tx1"/>
+                </a:solidFill>
+                <a:latin typeface="+mj-lt"/>
+                <a:ea typeface="+mj-ea"/>
+                <a:cs typeface="+mj-cs"/>
+              </a:defRPr>
+            </a:lvl1pPr>
+          </a:lstStyle>
+          <a:p>
+            <a:r>
+              <a:rPr lang="en-US" dirty="0" smtClean="0"/>
+              <a:t>IOWA ISTS Right ear</a:t>
+            </a:r>
+            <a:endParaRPr lang="en-US" dirty="0"/>
+          </a:p>
+        </p:txBody>
+      </p:sp>
+    </p:spTree>
+    <p:extLst>
+      <p:ext uri="{BB962C8B-B14F-4D97-AF65-F5344CB8AC3E}">
+        <p14:creationId xmlns:p14="http://schemas.microsoft.com/office/powerpoint/2010/main" val="1743505853"/>
+      </p:ext>
+    </p:extLst>
+  </p:cSld>
+  <p:clrMapOvr>
+    <a:masterClrMapping/>
+  </p:clrMapOvr>
+</p:sld>
+</file>
+
+<file path=ppt/slides/slide8.xml><?xml version="1.0" encoding="utf-8"?>
+<p:sld xmlns:a="http://schemas.openxmlformats.org/drawingml/2006/main" xmlns:r="http://schemas.openxmlformats.org/officeDocument/2006/relationships" xmlns:p="http://schemas.openxmlformats.org/presentationml/2006/main">
+  <p:cSld>
+    <p:spTree>
+      <p:nvGrpSpPr>
+        <p:cNvPr id="1" name=""/>
+        <p:cNvGrpSpPr/>
+        <p:nvPr/>
+      </p:nvGrpSpPr>
+      <p:grpSpPr>
+        <a:xfrm>
+          <a:off x="0" y="0"/>
+          <a:ext cx="0" cy="0"/>
+          <a:chOff x="0" y="0"/>
+          <a:chExt cx="0" cy="0"/>
+        </a:xfrm>
+      </p:grpSpPr>
+      <p:sp>
+        <p:nvSpPr>
+          <p:cNvPr id="4" name="Title 1"/>
+          <p:cNvSpPr txBox="1">
+            <a:spLocks/>
+          </p:cNvSpPr>
+          <p:nvPr/>
+        </p:nvSpPr>
+        <p:spPr>
+          <a:xfrm>
+            <a:off x="609600" y="0"/>
+            <a:ext cx="8229600" cy="1143000"/>
+          </a:xfrm>
+          <a:prstGeom prst="rect">
+            <a:avLst/>
+          </a:prstGeom>
+        </p:spPr>
+        <p:txBody>
+          <a:bodyPr vert="horz" lIns="91440" tIns="45720" rIns="91440" bIns="45720" rtlCol="0" anchor="ctr">
+            <a:normAutofit/>
+          </a:bodyPr>
+          <a:lstStyle>
+            <a:lvl1pPr algn="ctr" defTabSz="914400" rtl="0" eaLnBrk="1" latinLnBrk="0" hangingPunct="1">
+              <a:spcBef>
+                <a:spcPct val="0"/>
+              </a:spcBef>
+              <a:buNone/>
+              <a:defRPr sz="4400" kern="1200">
+                <a:solidFill>
+                  <a:schemeClr val="tx1"/>
+                </a:solidFill>
+                <a:latin typeface="+mj-lt"/>
+                <a:ea typeface="+mj-ea"/>
+                <a:cs typeface="+mj-cs"/>
+              </a:defRPr>
+            </a:lvl1pPr>
+          </a:lstStyle>
+          <a:p>
+            <a:r>
+              <a:rPr lang="en-US" dirty="0" smtClean="0"/>
+              <a:t>IOWA SPSHN Right ear</a:t>
+            </a:r>
+            <a:endParaRPr lang="en-US" dirty="0"/>
+          </a:p>
+        </p:txBody>
+      </p:sp>
+      <p:pic>
+        <p:nvPicPr>
+          <p:cNvPr id="2050" name="Picture 2"/>
+          <p:cNvPicPr>
+            <a:picLocks noChangeAspect="1" noChangeArrowheads="1"/>
+          </p:cNvPicPr>
+          <p:nvPr/>
+        </p:nvPicPr>
+        <p:blipFill>
+          <a:blip r:embed="rId2">
+            <a:extLst>
+              <a:ext uri="{28A0092B-C50C-407E-A947-70E740481C1C}">
+                <a14:useLocalDpi xmlns:a14="http://schemas.microsoft.com/office/drawing/2010/main" val="0"/>
+              </a:ext>
+            </a:extLst>
+          </a:blip>
+          <a:srcRect/>
+          <a:stretch>
+            <a:fillRect/>
+          </a:stretch>
+        </p:blipFill>
+        <p:spPr bwMode="auto">
+          <a:xfrm>
+            <a:off x="4191000" y="3668521"/>
+            <a:ext cx="3352800" cy="2608453"/>
+          </a:xfrm>
+          <a:prstGeom prst="rect">
+            <a:avLst/>
+          </a:prstGeom>
+          <a:noFill/>
+          <a:ln>
+            <a:noFill/>
+          </a:ln>
+          <a:extLst>
+            <a:ext uri="{909E8E84-426E-40DD-AFC4-6F175D3DCCD1}">
+              <a14:hiddenFill xmlns:a14="http://schemas.microsoft.com/office/drawing/2010/main">
+                <a:solidFill>
+                  <a:schemeClr val="accent1"/>
+                </a:solidFill>
+              </a14:hiddenFill>
+            </a:ext>
+            <a:ext uri="{91240B29-F687-4F45-9708-019B960494DF}">
+              <a14:hiddenLine xmlns:a14="http://schemas.microsoft.com/office/drawing/2010/main" w="9525">
+                <a:solidFill>
+                  <a:schemeClr val="tx1"/>
+                </a:solidFill>
+                <a:miter lim="800000"/>
+                <a:headEnd/>
+                <a:tailEnd/>
+              </a14:hiddenLine>
+            </a:ext>
+          </a:extLst>
+        </p:spPr>
+      </p:pic>
+      <p:pic>
+        <p:nvPicPr>
+          <p:cNvPr id="2051" name="Picture 3"/>
+          <p:cNvPicPr>
+            <a:picLocks noChangeAspect="1" noChangeArrowheads="1"/>
+          </p:cNvPicPr>
+          <p:nvPr/>
+        </p:nvPicPr>
+        <p:blipFill>
+          <a:blip r:embed="rId3">
+            <a:extLst>
+              <a:ext uri="{28A0092B-C50C-407E-A947-70E740481C1C}">
+                <a14:useLocalDpi xmlns:a14="http://schemas.microsoft.com/office/drawing/2010/main" val="0"/>
+              </a:ext>
+            </a:extLst>
+          </a:blip>
+          <a:srcRect/>
+          <a:stretch>
+            <a:fillRect/>
+          </a:stretch>
+        </p:blipFill>
+        <p:spPr bwMode="auto">
+          <a:xfrm>
+            <a:off x="250209" y="3652285"/>
+            <a:ext cx="3352800" cy="2608453"/>
+          </a:xfrm>
+          <a:prstGeom prst="rect">
+            <a:avLst/>
+          </a:prstGeom>
+          <a:noFill/>
+          <a:ln>
+            <a:noFill/>
+          </a:ln>
+          <a:extLst>
+            <a:ext uri="{909E8E84-426E-40DD-AFC4-6F175D3DCCD1}">
+              <a14:hiddenFill xmlns:a14="http://schemas.microsoft.com/office/drawing/2010/main">
+                <a:solidFill>
+                  <a:schemeClr val="accent1"/>
+                </a:solidFill>
+              </a14:hiddenFill>
+            </a:ext>
+            <a:ext uri="{91240B29-F687-4F45-9708-019B960494DF}">
+              <a14:hiddenLine xmlns:a14="http://schemas.microsoft.com/office/drawing/2010/main" w="9525">
+                <a:solidFill>
+                  <a:schemeClr val="tx1"/>
+                </a:solidFill>
+                <a:miter lim="800000"/>
+                <a:headEnd/>
+                <a:tailEnd/>
+              </a14:hiddenLine>
+            </a:ext>
+          </a:extLst>
+        </p:spPr>
+      </p:pic>
+      <p:pic>
+        <p:nvPicPr>
+          <p:cNvPr id="2052" name="Picture 4"/>
+          <p:cNvPicPr>
+            <a:picLocks noChangeAspect="1" noChangeArrowheads="1"/>
+          </p:cNvPicPr>
+          <p:nvPr/>
+        </p:nvPicPr>
+        <p:blipFill>
+          <a:blip r:embed="rId4">
+            <a:extLst>
+              <a:ext uri="{28A0092B-C50C-407E-A947-70E740481C1C}">
+                <a14:useLocalDpi xmlns:a14="http://schemas.microsoft.com/office/drawing/2010/main" val="0"/>
+              </a:ext>
+            </a:extLst>
+          </a:blip>
+          <a:srcRect/>
+          <a:stretch>
+            <a:fillRect/>
+          </a:stretch>
+        </p:blipFill>
+        <p:spPr bwMode="auto">
+          <a:xfrm>
+            <a:off x="4191000" y="1021811"/>
+            <a:ext cx="3352800" cy="2608453"/>
+          </a:xfrm>
+          <a:prstGeom prst="rect">
+            <a:avLst/>
+          </a:prstGeom>
+          <a:noFill/>
+          <a:ln>
+            <a:noFill/>
+          </a:ln>
+          <a:extLst>
+            <a:ext uri="{909E8E84-426E-40DD-AFC4-6F175D3DCCD1}">
+              <a14:hiddenFill xmlns:a14="http://schemas.microsoft.com/office/drawing/2010/main">
+                <a:solidFill>
+                  <a:schemeClr val="accent1"/>
+                </a:solidFill>
+              </a14:hiddenFill>
+            </a:ext>
+            <a:ext uri="{91240B29-F687-4F45-9708-019B960494DF}">
+              <a14:hiddenLine xmlns:a14="http://schemas.microsoft.com/office/drawing/2010/main" w="9525">
+                <a:solidFill>
+                  <a:schemeClr val="tx1"/>
+                </a:solidFill>
+                <a:miter lim="800000"/>
+                <a:headEnd/>
+                <a:tailEnd/>
+              </a14:hiddenLine>
+            </a:ext>
+          </a:extLst>
+        </p:spPr>
+      </p:pic>
+      <p:pic>
+        <p:nvPicPr>
+          <p:cNvPr id="2053" name="Picture 5"/>
+          <p:cNvPicPr>
+            <a:picLocks noChangeAspect="1" noChangeArrowheads="1"/>
+          </p:cNvPicPr>
+          <p:nvPr/>
+        </p:nvPicPr>
+        <p:blipFill>
+          <a:blip r:embed="rId5">
+            <a:extLst>
+              <a:ext uri="{28A0092B-C50C-407E-A947-70E740481C1C}">
+                <a14:useLocalDpi xmlns:a14="http://schemas.microsoft.com/office/drawing/2010/main" val="0"/>
+              </a:ext>
+            </a:extLst>
+          </a:blip>
+          <a:srcRect/>
+          <a:stretch>
+            <a:fillRect/>
+          </a:stretch>
+        </p:blipFill>
+        <p:spPr bwMode="auto">
+          <a:xfrm>
+            <a:off x="228600" y="1021812"/>
+            <a:ext cx="3352800" cy="2608453"/>
+          </a:xfrm>
+          <a:prstGeom prst="rect">
+            <a:avLst/>
+          </a:prstGeom>
+          <a:noFill/>
+          <a:ln>
+            <a:noFill/>
+          </a:ln>
+          <a:extLst>
+            <a:ext uri="{909E8E84-426E-40DD-AFC4-6F175D3DCCD1}">
+              <a14:hiddenFill xmlns:a14="http://schemas.microsoft.com/office/drawing/2010/main">
+                <a:solidFill>
+                  <a:schemeClr val="accent1"/>
+                </a:solidFill>
+              </a14:hiddenFill>
+            </a:ext>
+            <a:ext uri="{91240B29-F687-4F45-9708-019B960494DF}">
+              <a14:hiddenLine xmlns:a14="http://schemas.microsoft.com/office/drawing/2010/main" w="9525">
+                <a:solidFill>
+                  <a:schemeClr val="tx1"/>
+                </a:solidFill>
+                <a:miter lim="800000"/>
+                <a:headEnd/>
+                <a:tailEnd/>
+              </a14:hiddenLine>
+            </a:ext>
+          </a:extLst>
+        </p:spPr>
+      </p:pic>
+    </p:spTree>
+    <p:extLst>
+      <p:ext uri="{BB962C8B-B14F-4D97-AF65-F5344CB8AC3E}">
+        <p14:creationId xmlns:p14="http://schemas.microsoft.com/office/powerpoint/2010/main" val="700841004"/>
       </p:ext>
     </p:extLst>
   </p:cSld>
